--- a/media/js_presentation.pptx
+++ b/media/js_presentation.pptx
@@ -3403,7 +3403,7 @@
           <a:lstStyle/>
           <a:p>
             <a:r>
-              <a:t>- Versatile</a:t>
+              <a:t>- Versatile and flexible</a:t>
             </a:r>
           </a:p>
         </p:txBody>
@@ -3424,7 +3424,7 @@
           <a:lstStyle/>
           <a:p>
             <a:r>
-              <a:t>JS can be used for a wide range of applications, including web development, mobile app development, game development, and server-side programming.</a:t>
+              <a:t>JS can be used for a wide range of applications, from simple scripts to complex web applications and server-side development.</a:t>
             </a:r>
           </a:p>
         </p:txBody>
@@ -3463,7 +3463,7 @@
           <a:lstStyle/>
           <a:p>
             <a:r>
-              <a:t>- Client-side scripting</a:t>
+              <a:t>- Extensive libraries and frameworks</a:t>
             </a:r>
           </a:p>
         </p:txBody>
@@ -3484,7 +3484,7 @@
           <a:lstStyle/>
           <a:p>
             <a:r>
-              <a:t>JavaScript is primarily used for client-side scripting, meaning it runs on the user's browser rather than on the web server, which helps improve website performance and responsiveness.</a:t>
+              <a:t>JavaScript has a rich ecosystem of libraries and frameworks, such as React, Angular, and Node.js, that help developers build robust and scalable applications.</a:t>
             </a:r>
           </a:p>
         </p:txBody>
@@ -3523,7 +3523,7 @@
           <a:lstStyle/>
           <a:p>
             <a:r>
-              <a:t>- Extensive libraries and frameworks</a:t>
+              <a:t>- Easy to learn and use</a:t>
             </a:r>
           </a:p>
         </p:txBody>
@@ -3544,7 +3544,7 @@
           <a:lstStyle/>
           <a:p>
             <a:r>
-              <a:t>JavaScript has a vast ecosystem of libraries and frameworks, such as React, Angular, and Vue.js, that help developers build complex applications more efficiently.</a:t>
+              <a:t>With its simple syntax and extensive documentation, JavaScript is a beginner-friendly language that is widely used in the web development community.</a:t>
             </a:r>
           </a:p>
         </p:txBody>
